--- a/files/iconference-2022.pptx
+++ b/files/iconference-2022.pptx
@@ -5,19 +5,23 @@
     <p:sldMasterId id="2147483648" r:id="rId1"/>
   </p:sldMasterIdLst>
   <p:notesMasterIdLst>
-    <p:notesMasterId r:id="rId12"/>
+    <p:notesMasterId r:id="rId16"/>
   </p:notesMasterIdLst>
   <p:sldIdLst>
     <p:sldId id="257" r:id="rId2"/>
     <p:sldId id="304" r:id="rId3"/>
     <p:sldId id="305" r:id="rId4"/>
-    <p:sldId id="307" r:id="rId5"/>
-    <p:sldId id="306" r:id="rId6"/>
-    <p:sldId id="308" r:id="rId7"/>
-    <p:sldId id="309" r:id="rId8"/>
-    <p:sldId id="310" r:id="rId9"/>
-    <p:sldId id="311" r:id="rId10"/>
-    <p:sldId id="303" r:id="rId11"/>
+    <p:sldId id="312" r:id="rId5"/>
+    <p:sldId id="313" r:id="rId6"/>
+    <p:sldId id="314" r:id="rId7"/>
+    <p:sldId id="315" r:id="rId8"/>
+    <p:sldId id="316" r:id="rId9"/>
+    <p:sldId id="306" r:id="rId10"/>
+    <p:sldId id="308" r:id="rId11"/>
+    <p:sldId id="309" r:id="rId12"/>
+    <p:sldId id="310" r:id="rId13"/>
+    <p:sldId id="311" r:id="rId14"/>
+    <p:sldId id="303" r:id="rId15"/>
   </p:sldIdLst>
   <p:sldSz cx="12192000" cy="6858000"/>
   <p:notesSz cx="6858000" cy="9144000"/>
@@ -206,7 +210,7 @@
           <a:p>
             <a:fld id="{35F89641-3D10-5349-9904-427D098855CB}" type="datetimeFigureOut">
               <a:rPr lang="en-US" smtClean="0"/>
-              <a:t>11/28/21</a:t>
+              <a:t>3/1/22</a:t>
             </a:fld>
             <a:endParaRPr lang="en-US"/>
           </a:p>
@@ -622,7 +626,7 @@
           <a:p>
             <a:fld id="{18756721-70E4-AB47-9878-C8036D8C7B0A}" type="slidenum">
               <a:rPr lang="en-US" smtClean="0"/>
-              <a:t>10</a:t>
+              <a:t>14</a:t>
             </a:fld>
             <a:endParaRPr lang="en-US"/>
           </a:p>
@@ -788,7 +792,7 @@
           <a:p>
             <a:fld id="{B790BD64-3155-B144-B189-C8135903F88F}" type="datetimeFigureOut">
               <a:rPr lang="en-US" smtClean="0"/>
-              <a:t>11/28/21</a:t>
+              <a:t>3/1/22</a:t>
             </a:fld>
             <a:endParaRPr lang="en-US"/>
           </a:p>
@@ -986,7 +990,7 @@
           <a:p>
             <a:fld id="{B790BD64-3155-B144-B189-C8135903F88F}" type="datetimeFigureOut">
               <a:rPr lang="en-US" smtClean="0"/>
-              <a:t>11/28/21</a:t>
+              <a:t>3/1/22</a:t>
             </a:fld>
             <a:endParaRPr lang="en-US"/>
           </a:p>
@@ -1194,7 +1198,7 @@
           <a:p>
             <a:fld id="{B790BD64-3155-B144-B189-C8135903F88F}" type="datetimeFigureOut">
               <a:rPr lang="en-US" smtClean="0"/>
-              <a:t>11/28/21</a:t>
+              <a:t>3/1/22</a:t>
             </a:fld>
             <a:endParaRPr lang="en-US"/>
           </a:p>
@@ -1392,7 +1396,7 @@
           <a:p>
             <a:fld id="{B790BD64-3155-B144-B189-C8135903F88F}" type="datetimeFigureOut">
               <a:rPr lang="en-US" smtClean="0"/>
-              <a:t>11/28/21</a:t>
+              <a:t>3/1/22</a:t>
             </a:fld>
             <a:endParaRPr lang="en-US"/>
           </a:p>
@@ -1667,7 +1671,7 @@
           <a:p>
             <a:fld id="{B790BD64-3155-B144-B189-C8135903F88F}" type="datetimeFigureOut">
               <a:rPr lang="en-US" smtClean="0"/>
-              <a:t>11/28/21</a:t>
+              <a:t>3/1/22</a:t>
             </a:fld>
             <a:endParaRPr lang="en-US"/>
           </a:p>
@@ -1932,7 +1936,7 @@
           <a:p>
             <a:fld id="{B790BD64-3155-B144-B189-C8135903F88F}" type="datetimeFigureOut">
               <a:rPr lang="en-US" smtClean="0"/>
-              <a:t>11/28/21</a:t>
+              <a:t>3/1/22</a:t>
             </a:fld>
             <a:endParaRPr lang="en-US"/>
           </a:p>
@@ -2344,7 +2348,7 @@
           <a:p>
             <a:fld id="{B790BD64-3155-B144-B189-C8135903F88F}" type="datetimeFigureOut">
               <a:rPr lang="en-US" smtClean="0"/>
-              <a:t>11/28/21</a:t>
+              <a:t>3/1/22</a:t>
             </a:fld>
             <a:endParaRPr lang="en-US"/>
           </a:p>
@@ -2485,7 +2489,7 @@
           <a:p>
             <a:fld id="{B790BD64-3155-B144-B189-C8135903F88F}" type="datetimeFigureOut">
               <a:rPr lang="en-US" smtClean="0"/>
-              <a:t>11/28/21</a:t>
+              <a:t>3/1/22</a:t>
             </a:fld>
             <a:endParaRPr lang="en-US"/>
           </a:p>
@@ -2598,7 +2602,7 @@
           <a:p>
             <a:fld id="{B790BD64-3155-B144-B189-C8135903F88F}" type="datetimeFigureOut">
               <a:rPr lang="en-US" smtClean="0"/>
-              <a:t>11/28/21</a:t>
+              <a:t>3/1/22</a:t>
             </a:fld>
             <a:endParaRPr lang="en-US"/>
           </a:p>
@@ -2909,7 +2913,7 @@
           <a:p>
             <a:fld id="{B790BD64-3155-B144-B189-C8135903F88F}" type="datetimeFigureOut">
               <a:rPr lang="en-US" smtClean="0"/>
-              <a:t>11/28/21</a:t>
+              <a:t>3/1/22</a:t>
             </a:fld>
             <a:endParaRPr lang="en-US"/>
           </a:p>
@@ -3197,7 +3201,7 @@
           <a:p>
             <a:fld id="{B790BD64-3155-B144-B189-C8135903F88F}" type="datetimeFigureOut">
               <a:rPr lang="en-US" smtClean="0"/>
-              <a:t>11/28/21</a:t>
+              <a:t>3/1/22</a:t>
             </a:fld>
             <a:endParaRPr lang="en-US"/>
           </a:p>
@@ -3438,7 +3442,7 @@
           <a:p>
             <a:fld id="{B790BD64-3155-B144-B189-C8135903F88F}" type="datetimeFigureOut">
               <a:rPr lang="en-US" smtClean="0"/>
-              <a:t>11/28/21</a:t>
+              <a:t>3/1/22</a:t>
             </a:fld>
             <a:endParaRPr lang="en-US"/>
           </a:p>
@@ -3940,6 +3944,16 @@
               <a:t> Liu</a:t>
             </a:r>
           </a:p>
+          <a:p>
+            <a:r>
+              <a:rPr lang="en-US" altLang="zh-CN" dirty="0" err="1"/>
+              <a:t>iConference</a:t>
+            </a:r>
+            <a:r>
+              <a:rPr lang="en-US" altLang="zh-CN" dirty="0"/>
+              <a:t> 2022</a:t>
+            </a:r>
+          </a:p>
         </p:txBody>
       </p:sp>
     </p:spTree>
@@ -3956,6 +3970,701 @@
 </file>
 
 <file path=ppt/slides/slide10.xml><?xml version="1.0" encoding="utf-8"?>
+<p:sld xmlns:a="http://schemas.openxmlformats.org/drawingml/2006/main" xmlns:r="http://schemas.openxmlformats.org/officeDocument/2006/relationships" xmlns:p="http://schemas.openxmlformats.org/presentationml/2006/main">
+  <p:cSld>
+    <p:spTree>
+      <p:nvGrpSpPr>
+        <p:cNvPr id="1" name=""/>
+        <p:cNvGrpSpPr/>
+        <p:nvPr/>
+      </p:nvGrpSpPr>
+      <p:grpSpPr>
+        <a:xfrm>
+          <a:off x="0" y="0"/>
+          <a:ext cx="0" cy="0"/>
+          <a:chOff x="0" y="0"/>
+          <a:chExt cx="0" cy="0"/>
+        </a:xfrm>
+      </p:grpSpPr>
+      <p:sp>
+        <p:nvSpPr>
+          <p:cNvPr id="2" name="Title 1">
+            <a:extLst>
+              <a:ext uri="{FF2B5EF4-FFF2-40B4-BE49-F238E27FC236}">
+                <a16:creationId xmlns:a16="http://schemas.microsoft.com/office/drawing/2014/main" id="{C1330DE8-F1C4-E74C-9FE1-1CBC33D27A23}"/>
+              </a:ext>
+            </a:extLst>
+          </p:cNvPr>
+          <p:cNvSpPr>
+            <a:spLocks noGrp="1"/>
+          </p:cNvSpPr>
+          <p:nvPr>
+            <p:ph type="title"/>
+          </p:nvPr>
+        </p:nvSpPr>
+        <p:spPr/>
+        <p:txBody>
+          <a:bodyPr/>
+          <a:lstStyle/>
+          <a:p>
+            <a:r>
+              <a:rPr lang="en-US" dirty="0"/>
+              <a:t>Dataset</a:t>
+            </a:r>
+          </a:p>
+        </p:txBody>
+      </p:sp>
+      <p:pic>
+        <p:nvPicPr>
+          <p:cNvPr id="5" name="Content Placeholder 4">
+            <a:extLst>
+              <a:ext uri="{FF2B5EF4-FFF2-40B4-BE49-F238E27FC236}">
+                <a16:creationId xmlns:a16="http://schemas.microsoft.com/office/drawing/2014/main" id="{3B3CE6FA-5F39-7847-8735-B1105A1E4CA1}"/>
+              </a:ext>
+            </a:extLst>
+          </p:cNvPr>
+          <p:cNvPicPr>
+            <a:picLocks noGrp="1" noChangeAspect="1"/>
+          </p:cNvPicPr>
+          <p:nvPr>
+            <p:ph idx="1"/>
+          </p:nvPr>
+        </p:nvPicPr>
+        <p:blipFill>
+          <a:blip r:embed="rId2"/>
+          <a:stretch>
+            <a:fillRect/>
+          </a:stretch>
+        </p:blipFill>
+        <p:spPr>
+          <a:xfrm>
+            <a:off x="2943444" y="3352137"/>
+            <a:ext cx="5352836" cy="1033967"/>
+          </a:xfrm>
+        </p:spPr>
+      </p:pic>
+      <p:pic>
+        <p:nvPicPr>
+          <p:cNvPr id="7" name="Picture 6">
+            <a:extLst>
+              <a:ext uri="{FF2B5EF4-FFF2-40B4-BE49-F238E27FC236}">
+                <a16:creationId xmlns:a16="http://schemas.microsoft.com/office/drawing/2014/main" id="{769FB200-D105-744B-B628-9F4727F7D21E}"/>
+              </a:ext>
+            </a:extLst>
+          </p:cNvPr>
+          <p:cNvPicPr>
+            <a:picLocks noChangeAspect="1"/>
+          </p:cNvPicPr>
+          <p:nvPr/>
+        </p:nvPicPr>
+        <p:blipFill>
+          <a:blip r:embed="rId3"/>
+          <a:stretch>
+            <a:fillRect/>
+          </a:stretch>
+        </p:blipFill>
+        <p:spPr>
+          <a:xfrm>
+            <a:off x="2825005" y="4413569"/>
+            <a:ext cx="5589713" cy="2079306"/>
+          </a:xfrm>
+          <a:prstGeom prst="rect">
+            <a:avLst/>
+          </a:prstGeom>
+        </p:spPr>
+      </p:pic>
+      <p:sp>
+        <p:nvSpPr>
+          <p:cNvPr id="8" name="Content Placeholder 2">
+            <a:extLst>
+              <a:ext uri="{FF2B5EF4-FFF2-40B4-BE49-F238E27FC236}">
+                <a16:creationId xmlns:a16="http://schemas.microsoft.com/office/drawing/2014/main" id="{26125090-C386-404E-BBA1-188DB2F79199}"/>
+              </a:ext>
+            </a:extLst>
+          </p:cNvPr>
+          <p:cNvSpPr txBox="1">
+            <a:spLocks/>
+          </p:cNvSpPr>
+          <p:nvPr/>
+        </p:nvSpPr>
+        <p:spPr>
+          <a:xfrm>
+            <a:off x="595901" y="1718335"/>
+            <a:ext cx="9822095" cy="1688137"/>
+          </a:xfrm>
+          <a:prstGeom prst="rect">
+            <a:avLst/>
+          </a:prstGeom>
+        </p:spPr>
+        <p:txBody>
+          <a:bodyPr vert="horz" lIns="91440" tIns="45720" rIns="91440" bIns="45720" rtlCol="0">
+            <a:normAutofit fontScale="92500" lnSpcReduction="20000"/>
+          </a:bodyPr>
+          <a:lstStyle>
+            <a:lvl1pPr marL="228600" indent="-228600" algn="l" defTabSz="914400" rtl="0" eaLnBrk="1" latinLnBrk="0" hangingPunct="1">
+              <a:lnSpc>
+                <a:spcPct val="90000"/>
+              </a:lnSpc>
+              <a:spcBef>
+                <a:spcPts val="1000"/>
+              </a:spcBef>
+              <a:buFont typeface="Arial" panose="020B0604020202020204" pitchFamily="34" charset="0"/>
+              <a:buChar char="•"/>
+              <a:defRPr sz="2800" kern="1200">
+                <a:solidFill>
+                  <a:schemeClr val="tx1"/>
+                </a:solidFill>
+                <a:latin typeface="+mn-lt"/>
+                <a:ea typeface="+mn-ea"/>
+                <a:cs typeface="+mn-cs"/>
+              </a:defRPr>
+            </a:lvl1pPr>
+            <a:lvl2pPr marL="685800" indent="-228600" algn="l" defTabSz="914400" rtl="0" eaLnBrk="1" latinLnBrk="0" hangingPunct="1">
+              <a:lnSpc>
+                <a:spcPct val="90000"/>
+              </a:lnSpc>
+              <a:spcBef>
+                <a:spcPts val="500"/>
+              </a:spcBef>
+              <a:buFont typeface="Arial" panose="020B0604020202020204" pitchFamily="34" charset="0"/>
+              <a:buChar char="•"/>
+              <a:defRPr sz="2400" kern="1200">
+                <a:solidFill>
+                  <a:schemeClr val="tx1"/>
+                </a:solidFill>
+                <a:latin typeface="+mn-lt"/>
+                <a:ea typeface="+mn-ea"/>
+                <a:cs typeface="+mn-cs"/>
+              </a:defRPr>
+            </a:lvl2pPr>
+            <a:lvl3pPr marL="1143000" indent="-228600" algn="l" defTabSz="914400" rtl="0" eaLnBrk="1" latinLnBrk="0" hangingPunct="1">
+              <a:lnSpc>
+                <a:spcPct val="90000"/>
+              </a:lnSpc>
+              <a:spcBef>
+                <a:spcPts val="500"/>
+              </a:spcBef>
+              <a:buFont typeface="Arial" panose="020B0604020202020204" pitchFamily="34" charset="0"/>
+              <a:buChar char="•"/>
+              <a:defRPr sz="2000" kern="1200">
+                <a:solidFill>
+                  <a:schemeClr val="tx1"/>
+                </a:solidFill>
+                <a:latin typeface="+mn-lt"/>
+                <a:ea typeface="+mn-ea"/>
+                <a:cs typeface="+mn-cs"/>
+              </a:defRPr>
+            </a:lvl3pPr>
+            <a:lvl4pPr marL="1600200" indent="-228600" algn="l" defTabSz="914400" rtl="0" eaLnBrk="1" latinLnBrk="0" hangingPunct="1">
+              <a:lnSpc>
+                <a:spcPct val="90000"/>
+              </a:lnSpc>
+              <a:spcBef>
+                <a:spcPts val="500"/>
+              </a:spcBef>
+              <a:buFont typeface="Arial" panose="020B0604020202020204" pitchFamily="34" charset="0"/>
+              <a:buChar char="•"/>
+              <a:defRPr sz="1800" kern="1200">
+                <a:solidFill>
+                  <a:schemeClr val="tx1"/>
+                </a:solidFill>
+                <a:latin typeface="+mn-lt"/>
+                <a:ea typeface="+mn-ea"/>
+                <a:cs typeface="+mn-cs"/>
+              </a:defRPr>
+            </a:lvl4pPr>
+            <a:lvl5pPr marL="2057400" indent="-228600" algn="l" defTabSz="914400" rtl="0" eaLnBrk="1" latinLnBrk="0" hangingPunct="1">
+              <a:lnSpc>
+                <a:spcPct val="90000"/>
+              </a:lnSpc>
+              <a:spcBef>
+                <a:spcPts val="500"/>
+              </a:spcBef>
+              <a:buFont typeface="Arial" panose="020B0604020202020204" pitchFamily="34" charset="0"/>
+              <a:buChar char="•"/>
+              <a:defRPr sz="1800" kern="1200">
+                <a:solidFill>
+                  <a:schemeClr val="tx1"/>
+                </a:solidFill>
+                <a:latin typeface="+mn-lt"/>
+                <a:ea typeface="+mn-ea"/>
+                <a:cs typeface="+mn-cs"/>
+              </a:defRPr>
+            </a:lvl5pPr>
+            <a:lvl6pPr marL="2514600" indent="-228600" algn="l" defTabSz="914400" rtl="0" eaLnBrk="1" latinLnBrk="0" hangingPunct="1">
+              <a:lnSpc>
+                <a:spcPct val="90000"/>
+              </a:lnSpc>
+              <a:spcBef>
+                <a:spcPts val="500"/>
+              </a:spcBef>
+              <a:buFont typeface="Arial" panose="020B0604020202020204" pitchFamily="34" charset="0"/>
+              <a:buChar char="•"/>
+              <a:defRPr sz="1800" kern="1200">
+                <a:solidFill>
+                  <a:schemeClr val="tx1"/>
+                </a:solidFill>
+                <a:latin typeface="+mn-lt"/>
+                <a:ea typeface="+mn-ea"/>
+                <a:cs typeface="+mn-cs"/>
+              </a:defRPr>
+            </a:lvl6pPr>
+            <a:lvl7pPr marL="2971800" indent="-228600" algn="l" defTabSz="914400" rtl="0" eaLnBrk="1" latinLnBrk="0" hangingPunct="1">
+              <a:lnSpc>
+                <a:spcPct val="90000"/>
+              </a:lnSpc>
+              <a:spcBef>
+                <a:spcPts val="500"/>
+              </a:spcBef>
+              <a:buFont typeface="Arial" panose="020B0604020202020204" pitchFamily="34" charset="0"/>
+              <a:buChar char="•"/>
+              <a:defRPr sz="1800" kern="1200">
+                <a:solidFill>
+                  <a:schemeClr val="tx1"/>
+                </a:solidFill>
+                <a:latin typeface="+mn-lt"/>
+                <a:ea typeface="+mn-ea"/>
+                <a:cs typeface="+mn-cs"/>
+              </a:defRPr>
+            </a:lvl7pPr>
+            <a:lvl8pPr marL="3429000" indent="-228600" algn="l" defTabSz="914400" rtl="0" eaLnBrk="1" latinLnBrk="0" hangingPunct="1">
+              <a:lnSpc>
+                <a:spcPct val="90000"/>
+              </a:lnSpc>
+              <a:spcBef>
+                <a:spcPts val="500"/>
+              </a:spcBef>
+              <a:buFont typeface="Arial" panose="020B0604020202020204" pitchFamily="34" charset="0"/>
+              <a:buChar char="•"/>
+              <a:defRPr sz="1800" kern="1200">
+                <a:solidFill>
+                  <a:schemeClr val="tx1"/>
+                </a:solidFill>
+                <a:latin typeface="+mn-lt"/>
+                <a:ea typeface="+mn-ea"/>
+                <a:cs typeface="+mn-cs"/>
+              </a:defRPr>
+            </a:lvl8pPr>
+            <a:lvl9pPr marL="3886200" indent="-228600" algn="l" defTabSz="914400" rtl="0" eaLnBrk="1" latinLnBrk="0" hangingPunct="1">
+              <a:lnSpc>
+                <a:spcPct val="90000"/>
+              </a:lnSpc>
+              <a:spcBef>
+                <a:spcPts val="500"/>
+              </a:spcBef>
+              <a:buFont typeface="Arial" panose="020B0604020202020204" pitchFamily="34" charset="0"/>
+              <a:buChar char="•"/>
+              <a:defRPr sz="1800" kern="1200">
+                <a:solidFill>
+                  <a:schemeClr val="tx1"/>
+                </a:solidFill>
+                <a:latin typeface="+mn-lt"/>
+                <a:ea typeface="+mn-ea"/>
+                <a:cs typeface="+mn-cs"/>
+              </a:defRPr>
+            </a:lvl9pPr>
+          </a:lstStyle>
+          <a:p>
+            <a:r>
+              <a:rPr lang="en-US" dirty="0"/>
+              <a:t>The dataset used for music recommendation is from </a:t>
+            </a:r>
+            <a:r>
+              <a:rPr lang="en-US" dirty="0" err="1"/>
+              <a:t>Xiami</a:t>
+            </a:r>
+            <a:r>
+              <a:rPr lang="en-US" dirty="0"/>
+              <a:t>, one of the largest online music streaming services in China</a:t>
+            </a:r>
+            <a:r>
+              <a:rPr lang="en-US" altLang="zh-CN" dirty="0"/>
+              <a:t>.</a:t>
+            </a:r>
+            <a:endParaRPr lang="en-US" dirty="0"/>
+          </a:p>
+          <a:p>
+            <a:r>
+              <a:rPr lang="en-US" dirty="0"/>
+              <a:t>The listening history of 70 percent users are randomly sampled used to training our model (used for fitness score calculation). and the rest 30 percent users are used for our model testing.</a:t>
+            </a:r>
+          </a:p>
+        </p:txBody>
+      </p:sp>
+    </p:spTree>
+    <p:extLst>
+      <p:ext uri="{BB962C8B-B14F-4D97-AF65-F5344CB8AC3E}">
+        <p14:creationId xmlns:p14="http://schemas.microsoft.com/office/powerpoint/2010/main" val="155975860"/>
+      </p:ext>
+    </p:extLst>
+  </p:cSld>
+  <p:clrMapOvr>
+    <a:masterClrMapping/>
+  </p:clrMapOvr>
+</p:sld>
+</file>
+
+<file path=ppt/slides/slide11.xml><?xml version="1.0" encoding="utf-8"?>
+<p:sld xmlns:a="http://schemas.openxmlformats.org/drawingml/2006/main" xmlns:r="http://schemas.openxmlformats.org/officeDocument/2006/relationships" xmlns:p="http://schemas.openxmlformats.org/presentationml/2006/main">
+  <p:cSld>
+    <p:spTree>
+      <p:nvGrpSpPr>
+        <p:cNvPr id="1" name=""/>
+        <p:cNvGrpSpPr/>
+        <p:nvPr/>
+      </p:nvGrpSpPr>
+      <p:grpSpPr>
+        <a:xfrm>
+          <a:off x="0" y="0"/>
+          <a:ext cx="0" cy="0"/>
+          <a:chOff x="0" y="0"/>
+          <a:chExt cx="0" cy="0"/>
+        </a:xfrm>
+      </p:grpSpPr>
+      <p:sp>
+        <p:nvSpPr>
+          <p:cNvPr id="2" name="Title 1">
+            <a:extLst>
+              <a:ext uri="{FF2B5EF4-FFF2-40B4-BE49-F238E27FC236}">
+                <a16:creationId xmlns:a16="http://schemas.microsoft.com/office/drawing/2014/main" id="{C1330DE8-F1C4-E74C-9FE1-1CBC33D27A23}"/>
+              </a:ext>
+            </a:extLst>
+          </p:cNvPr>
+          <p:cNvSpPr>
+            <a:spLocks noGrp="1"/>
+          </p:cNvSpPr>
+          <p:nvPr>
+            <p:ph type="title"/>
+          </p:nvPr>
+        </p:nvSpPr>
+        <p:spPr/>
+        <p:txBody>
+          <a:bodyPr/>
+          <a:lstStyle/>
+          <a:p>
+            <a:r>
+              <a:rPr lang="en-US" dirty="0"/>
+              <a:t>Task 1: Searching Cost with Between-community Jumping</a:t>
+            </a:r>
+          </a:p>
+        </p:txBody>
+      </p:sp>
+      <p:sp>
+        <p:nvSpPr>
+          <p:cNvPr id="3" name="Content Placeholder 2">
+            <a:extLst>
+              <a:ext uri="{FF2B5EF4-FFF2-40B4-BE49-F238E27FC236}">
+                <a16:creationId xmlns:a16="http://schemas.microsoft.com/office/drawing/2014/main" id="{0B7E72BD-F5AF-9541-B269-41142E8630A8}"/>
+              </a:ext>
+            </a:extLst>
+          </p:cNvPr>
+          <p:cNvSpPr>
+            <a:spLocks noGrp="1"/>
+          </p:cNvSpPr>
+          <p:nvPr>
+            <p:ph idx="1"/>
+          </p:nvPr>
+        </p:nvSpPr>
+        <p:spPr>
+          <a:xfrm>
+            <a:off x="838200" y="1825625"/>
+            <a:ext cx="10515600" cy="3588856"/>
+          </a:xfrm>
+        </p:spPr>
+        <p:txBody>
+          <a:bodyPr>
+            <a:normAutofit fontScale="77500" lnSpcReduction="20000"/>
+          </a:bodyPr>
+          <a:lstStyle/>
+          <a:p>
+            <a:r>
+              <a:rPr lang="en-US" dirty="0"/>
+              <a:t>The first task is to examine whether applying ETUD on heterogeneous networks can reduce the searching cost of retrieving all users' listened songs. </a:t>
+            </a:r>
+          </a:p>
+          <a:p>
+            <a:r>
+              <a:rPr lang="en-US" dirty="0"/>
+              <a:t>In our music network, each user u will belong to a community after a community detection method is leveraged. When user u looks for songs to listen, there is a searching cost for the user to retrieve all his/her favored songs. We simulate user searching behaviors to see how ETUD can help to reduce searching cost when added to existing community detection methods:</a:t>
+            </a:r>
+          </a:p>
+          <a:p>
+            <a:pPr lvl="1"/>
+            <a:r>
+              <a:rPr lang="en-US" dirty="0"/>
+              <a:t>All communities are ranked by their contained number of listened songs in the descending order. </a:t>
+            </a:r>
+          </a:p>
+          <a:p>
+            <a:pPr lvl="1"/>
+            <a:r>
+              <a:rPr lang="en-US" dirty="0"/>
+              <a:t>This searching cost function depicts how much effort users take to retrieve all their listened songs by jumping between communities. The user u starts to search from the most favored community to the least favored community in a descending sequence until all listened songs are retrieved.</a:t>
+            </a:r>
+          </a:p>
+          <a:p>
+            <a:pPr lvl="1"/>
+            <a:r>
+              <a:rPr lang="en-US" dirty="0"/>
+              <a:t>The best community structure is that all listened songs are grouped into a single community. </a:t>
+            </a:r>
+          </a:p>
+        </p:txBody>
+      </p:sp>
+      <p:pic>
+        <p:nvPicPr>
+          <p:cNvPr id="5" name="Picture 4">
+            <a:extLst>
+              <a:ext uri="{FF2B5EF4-FFF2-40B4-BE49-F238E27FC236}">
+                <a16:creationId xmlns:a16="http://schemas.microsoft.com/office/drawing/2014/main" id="{80CBB173-B37D-D741-83FB-83076F22B449}"/>
+              </a:ext>
+            </a:extLst>
+          </p:cNvPr>
+          <p:cNvPicPr>
+            <a:picLocks noChangeAspect="1"/>
+          </p:cNvPicPr>
+          <p:nvPr/>
+        </p:nvPicPr>
+        <p:blipFill>
+          <a:blip r:embed="rId2"/>
+          <a:stretch>
+            <a:fillRect/>
+          </a:stretch>
+        </p:blipFill>
+        <p:spPr>
+          <a:xfrm>
+            <a:off x="2012950" y="4971568"/>
+            <a:ext cx="8166100" cy="1155700"/>
+          </a:xfrm>
+          <a:prstGeom prst="rect">
+            <a:avLst/>
+          </a:prstGeom>
+        </p:spPr>
+      </p:pic>
+    </p:spTree>
+    <p:extLst>
+      <p:ext uri="{BB962C8B-B14F-4D97-AF65-F5344CB8AC3E}">
+        <p14:creationId xmlns:p14="http://schemas.microsoft.com/office/powerpoint/2010/main" val="329818821"/>
+      </p:ext>
+    </p:extLst>
+  </p:cSld>
+  <p:clrMapOvr>
+    <a:masterClrMapping/>
+  </p:clrMapOvr>
+</p:sld>
+</file>
+
+<file path=ppt/slides/slide12.xml><?xml version="1.0" encoding="utf-8"?>
+<p:sld xmlns:a="http://schemas.openxmlformats.org/drawingml/2006/main" xmlns:r="http://schemas.openxmlformats.org/officeDocument/2006/relationships" xmlns:p="http://schemas.openxmlformats.org/presentationml/2006/main">
+  <p:cSld>
+    <p:spTree>
+      <p:nvGrpSpPr>
+        <p:cNvPr id="1" name=""/>
+        <p:cNvGrpSpPr/>
+        <p:nvPr/>
+      </p:nvGrpSpPr>
+      <p:grpSpPr>
+        <a:xfrm>
+          <a:off x="0" y="0"/>
+          <a:ext cx="0" cy="0"/>
+          <a:chOff x="0" y="0"/>
+          <a:chExt cx="0" cy="0"/>
+        </a:xfrm>
+      </p:grpSpPr>
+      <p:sp>
+        <p:nvSpPr>
+          <p:cNvPr id="2" name="Title 1">
+            <a:extLst>
+              <a:ext uri="{FF2B5EF4-FFF2-40B4-BE49-F238E27FC236}">
+                <a16:creationId xmlns:a16="http://schemas.microsoft.com/office/drawing/2014/main" id="{C1330DE8-F1C4-E74C-9FE1-1CBC33D27A23}"/>
+              </a:ext>
+            </a:extLst>
+          </p:cNvPr>
+          <p:cNvSpPr>
+            <a:spLocks noGrp="1"/>
+          </p:cNvSpPr>
+          <p:nvPr>
+            <p:ph type="title"/>
+          </p:nvPr>
+        </p:nvSpPr>
+        <p:spPr/>
+        <p:txBody>
+          <a:bodyPr/>
+          <a:lstStyle/>
+          <a:p>
+            <a:r>
+              <a:rPr lang="en-US" dirty="0"/>
+              <a:t>Task 1: Searching Cost with Between-community Jumping</a:t>
+            </a:r>
+          </a:p>
+        </p:txBody>
+      </p:sp>
+      <p:pic>
+        <p:nvPicPr>
+          <p:cNvPr id="5" name="Content Placeholder 4">
+            <a:extLst>
+              <a:ext uri="{FF2B5EF4-FFF2-40B4-BE49-F238E27FC236}">
+                <a16:creationId xmlns:a16="http://schemas.microsoft.com/office/drawing/2014/main" id="{48754045-1C6A-C64F-B86F-D47D7F8FE9B2}"/>
+              </a:ext>
+            </a:extLst>
+          </p:cNvPr>
+          <p:cNvPicPr>
+            <a:picLocks noGrp="1" noChangeAspect="1"/>
+          </p:cNvPicPr>
+          <p:nvPr>
+            <p:ph idx="1"/>
+          </p:nvPr>
+        </p:nvPicPr>
+        <p:blipFill>
+          <a:blip r:embed="rId2"/>
+          <a:stretch>
+            <a:fillRect/>
+          </a:stretch>
+        </p:blipFill>
+        <p:spPr>
+          <a:xfrm>
+            <a:off x="838200" y="2008141"/>
+            <a:ext cx="10515600" cy="3986305"/>
+          </a:xfrm>
+        </p:spPr>
+      </p:pic>
+    </p:spTree>
+    <p:extLst>
+      <p:ext uri="{BB962C8B-B14F-4D97-AF65-F5344CB8AC3E}">
+        <p14:creationId xmlns:p14="http://schemas.microsoft.com/office/powerpoint/2010/main" val="3449456323"/>
+      </p:ext>
+    </p:extLst>
+  </p:cSld>
+  <p:clrMapOvr>
+    <a:masterClrMapping/>
+  </p:clrMapOvr>
+</p:sld>
+</file>
+
+<file path=ppt/slides/slide13.xml><?xml version="1.0" encoding="utf-8"?>
+<p:sld xmlns:a="http://schemas.openxmlformats.org/drawingml/2006/main" xmlns:r="http://schemas.openxmlformats.org/officeDocument/2006/relationships" xmlns:p="http://schemas.openxmlformats.org/presentationml/2006/main">
+  <p:cSld>
+    <p:spTree>
+      <p:nvGrpSpPr>
+        <p:cNvPr id="1" name=""/>
+        <p:cNvGrpSpPr/>
+        <p:nvPr/>
+      </p:nvGrpSpPr>
+      <p:grpSpPr>
+        <a:xfrm>
+          <a:off x="0" y="0"/>
+          <a:ext cx="0" cy="0"/>
+          <a:chOff x="0" y="0"/>
+          <a:chExt cx="0" cy="0"/>
+        </a:xfrm>
+      </p:grpSpPr>
+      <p:sp>
+        <p:nvSpPr>
+          <p:cNvPr id="2" name="Title 1">
+            <a:extLst>
+              <a:ext uri="{FF2B5EF4-FFF2-40B4-BE49-F238E27FC236}">
+                <a16:creationId xmlns:a16="http://schemas.microsoft.com/office/drawing/2014/main" id="{C1330DE8-F1C4-E74C-9FE1-1CBC33D27A23}"/>
+              </a:ext>
+            </a:extLst>
+          </p:cNvPr>
+          <p:cNvSpPr>
+            <a:spLocks noGrp="1"/>
+          </p:cNvSpPr>
+          <p:nvPr>
+            <p:ph type="title"/>
+          </p:nvPr>
+        </p:nvSpPr>
+        <p:spPr/>
+        <p:txBody>
+          <a:bodyPr/>
+          <a:lstStyle/>
+          <a:p>
+            <a:r>
+              <a:rPr lang="en-US" dirty="0"/>
+              <a:t>Task 2: Searching Accuracy within Community</a:t>
+            </a:r>
+          </a:p>
+        </p:txBody>
+      </p:sp>
+      <p:sp>
+        <p:nvSpPr>
+          <p:cNvPr id="3" name="Content Placeholder 2">
+            <a:extLst>
+              <a:ext uri="{FF2B5EF4-FFF2-40B4-BE49-F238E27FC236}">
+                <a16:creationId xmlns:a16="http://schemas.microsoft.com/office/drawing/2014/main" id="{0B7E72BD-F5AF-9541-B269-41142E8630A8}"/>
+              </a:ext>
+            </a:extLst>
+          </p:cNvPr>
+          <p:cNvSpPr>
+            <a:spLocks noGrp="1"/>
+          </p:cNvSpPr>
+          <p:nvPr>
+            <p:ph idx="1"/>
+          </p:nvPr>
+        </p:nvSpPr>
+        <p:spPr>
+          <a:xfrm>
+            <a:off x="838200" y="1825625"/>
+            <a:ext cx="10515600" cy="1790878"/>
+          </a:xfrm>
+        </p:spPr>
+        <p:txBody>
+          <a:bodyPr>
+            <a:normAutofit fontScale="92500"/>
+          </a:bodyPr>
+          <a:lstStyle/>
+          <a:p>
+            <a:r>
+              <a:rPr lang="en-US" dirty="0"/>
+              <a:t> We are also willing to see whether it also benefits music recommendation accuracy within communities. For each testing user, we select all songs in the same community as the user, and rank the songs based on their PageRank scores calculated during the training process.</a:t>
+            </a:r>
+          </a:p>
+        </p:txBody>
+      </p:sp>
+      <p:pic>
+        <p:nvPicPr>
+          <p:cNvPr id="7" name="Picture 6">
+            <a:extLst>
+              <a:ext uri="{FF2B5EF4-FFF2-40B4-BE49-F238E27FC236}">
+                <a16:creationId xmlns:a16="http://schemas.microsoft.com/office/drawing/2014/main" id="{64980699-98ED-CD4C-976A-DC1EF0ECD7BC}"/>
+              </a:ext>
+            </a:extLst>
+          </p:cNvPr>
+          <p:cNvPicPr>
+            <a:picLocks noChangeAspect="1"/>
+          </p:cNvPicPr>
+          <p:nvPr/>
+        </p:nvPicPr>
+        <p:blipFill>
+          <a:blip r:embed="rId2"/>
+          <a:stretch>
+            <a:fillRect/>
+          </a:stretch>
+        </p:blipFill>
+        <p:spPr>
+          <a:xfrm>
+            <a:off x="2331521" y="3388053"/>
+            <a:ext cx="6946043" cy="3104822"/>
+          </a:xfrm>
+          <a:prstGeom prst="rect">
+            <a:avLst/>
+          </a:prstGeom>
+        </p:spPr>
+      </p:pic>
+    </p:spTree>
+    <p:extLst>
+      <p:ext uri="{BB962C8B-B14F-4D97-AF65-F5344CB8AC3E}">
+        <p14:creationId xmlns:p14="http://schemas.microsoft.com/office/powerpoint/2010/main" val="1292675514"/>
+      </p:ext>
+    </p:extLst>
+  </p:cSld>
+  <p:clrMapOvr>
+    <a:masterClrMapping/>
+  </p:clrMapOvr>
+</p:sld>
+</file>
+
+<file path=ppt/slides/slide14.xml><?xml version="1.0" encoding="utf-8"?>
 <p:sld xmlns:a="http://schemas.openxmlformats.org/drawingml/2006/main" xmlns:r="http://schemas.openxmlformats.org/officeDocument/2006/relationships" xmlns:p="http://schemas.openxmlformats.org/presentationml/2006/main">
   <p:cSld>
     <p:spTree>
@@ -4254,34 +4963,6 @@
           <a:chExt cx="0" cy="0"/>
         </a:xfrm>
       </p:grpSpPr>
-      <p:sp>
-        <p:nvSpPr>
-          <p:cNvPr id="2" name="Title 1">
-            <a:extLst>
-              <a:ext uri="{FF2B5EF4-FFF2-40B4-BE49-F238E27FC236}">
-                <a16:creationId xmlns:a16="http://schemas.microsoft.com/office/drawing/2014/main" id="{C1330DE8-F1C4-E74C-9FE1-1CBC33D27A23}"/>
-              </a:ext>
-            </a:extLst>
-          </p:cNvPr>
-          <p:cNvSpPr>
-            <a:spLocks noGrp="1"/>
-          </p:cNvSpPr>
-          <p:nvPr>
-            <p:ph type="title"/>
-          </p:nvPr>
-        </p:nvSpPr>
-        <p:spPr/>
-        <p:txBody>
-          <a:bodyPr/>
-          <a:lstStyle/>
-          <a:p>
-            <a:r>
-              <a:rPr lang="en-US" dirty="0"/>
-              <a:t>ETUD Pipeline</a:t>
-            </a:r>
-          </a:p>
-        </p:txBody>
-      </p:sp>
       <p:pic>
         <p:nvPicPr>
           <p:cNvPr id="5" name="Content Placeholder 4">
@@ -4306,15 +4987,133 @@
         </p:blipFill>
         <p:spPr>
           <a:xfrm>
-            <a:off x="1168543" y="1849348"/>
-            <a:ext cx="10565898" cy="3728101"/>
+            <a:off x="2111446" y="1683128"/>
+            <a:ext cx="7969107" cy="2811842"/>
           </a:xfrm>
         </p:spPr>
       </p:pic>
+      <p:sp>
+        <p:nvSpPr>
+          <p:cNvPr id="4" name="Rectangle 3">
+            <a:extLst>
+              <a:ext uri="{FF2B5EF4-FFF2-40B4-BE49-F238E27FC236}">
+                <a16:creationId xmlns:a16="http://schemas.microsoft.com/office/drawing/2014/main" id="{B71E08B4-57F3-0945-9672-B1151C8C6A70}"/>
+              </a:ext>
+            </a:extLst>
+          </p:cNvPr>
+          <p:cNvSpPr/>
+          <p:nvPr/>
+        </p:nvSpPr>
+        <p:spPr>
+          <a:xfrm>
+            <a:off x="1753456" y="1940178"/>
+            <a:ext cx="1880170" cy="2137025"/>
+          </a:xfrm>
+          <a:prstGeom prst="rect">
+            <a:avLst/>
+          </a:prstGeom>
+          <a:noFill/>
+          <a:ln w="31750">
+            <a:solidFill>
+              <a:srgbClr val="C00000"/>
+            </a:solidFill>
+          </a:ln>
+        </p:spPr>
+        <p:style>
+          <a:lnRef idx="2">
+            <a:schemeClr val="accent1">
+              <a:shade val="50000"/>
+            </a:schemeClr>
+          </a:lnRef>
+          <a:fillRef idx="1">
+            <a:schemeClr val="accent1"/>
+          </a:fillRef>
+          <a:effectRef idx="0">
+            <a:schemeClr val="accent1"/>
+          </a:effectRef>
+          <a:fontRef idx="minor">
+            <a:schemeClr val="lt1"/>
+          </a:fontRef>
+        </p:style>
+        <p:txBody>
+          <a:bodyPr rtlCol="0" anchor="ctr"/>
+          <a:lstStyle/>
+          <a:p>
+            <a:pPr algn="ctr"/>
+            <a:endParaRPr lang="en-US"/>
+          </a:p>
+        </p:txBody>
+      </p:sp>
+      <p:sp>
+        <p:nvSpPr>
+          <p:cNvPr id="2" name="Title 1">
+            <a:extLst>
+              <a:ext uri="{FF2B5EF4-FFF2-40B4-BE49-F238E27FC236}">
+                <a16:creationId xmlns:a16="http://schemas.microsoft.com/office/drawing/2014/main" id="{C1330DE8-F1C4-E74C-9FE1-1CBC33D27A23}"/>
+              </a:ext>
+            </a:extLst>
+          </p:cNvPr>
+          <p:cNvSpPr>
+            <a:spLocks noGrp="1"/>
+          </p:cNvSpPr>
+          <p:nvPr>
+            <p:ph type="title"/>
+          </p:nvPr>
+        </p:nvSpPr>
+        <p:spPr/>
+        <p:txBody>
+          <a:bodyPr/>
+          <a:lstStyle/>
+          <a:p>
+            <a:r>
+              <a:rPr lang="en-US" dirty="0"/>
+              <a:t>ETUD Pipeline - Initialization</a:t>
+            </a:r>
+          </a:p>
+        </p:txBody>
+      </p:sp>
+      <p:sp>
+        <p:nvSpPr>
+          <p:cNvPr id="3" name="Rectangle 2">
+            <a:extLst>
+              <a:ext uri="{FF2B5EF4-FFF2-40B4-BE49-F238E27FC236}">
+                <a16:creationId xmlns:a16="http://schemas.microsoft.com/office/drawing/2014/main" id="{0B3224D0-8D77-E747-9919-BC88D5F1B36F}"/>
+              </a:ext>
+            </a:extLst>
+          </p:cNvPr>
+          <p:cNvSpPr/>
+          <p:nvPr/>
+        </p:nvSpPr>
+        <p:spPr>
+          <a:xfrm>
+            <a:off x="1311667" y="4925169"/>
+            <a:ext cx="8327097" cy="1754326"/>
+          </a:xfrm>
+          <a:prstGeom prst="rect">
+            <a:avLst/>
+          </a:prstGeom>
+        </p:spPr>
+        <p:txBody>
+          <a:bodyPr wrap="square">
+            <a:spAutoFit/>
+          </a:bodyPr>
+          <a:lstStyle/>
+          <a:p>
+            <a:pPr marL="742950" lvl="1" indent="-285750">
+              <a:buFont typeface="Arial" panose="020B0604020202020204" pitchFamily="34" charset="0"/>
+              <a:buChar char="•"/>
+            </a:pPr>
+            <a:r>
+              <a:rPr lang="en-US" dirty="0"/>
+              <a:t>We define a chromosome to represent a possible ETUD result. A chromosome is constructed by a set of genes ,where each gene refers to an edge-type respectively. The value stores in each gene represents the usefulness score of a particular edge-type. A chromosome is initialized by randomly assigning value ∈ [0, 1] to each of its gene in the beginning. In total, P chromosomes are randomly initialized for further evolution process.</a:t>
+            </a:r>
+          </a:p>
+        </p:txBody>
+      </p:sp>
     </p:spTree>
     <p:extLst>
       <p:ext uri="{BB962C8B-B14F-4D97-AF65-F5344CB8AC3E}">
-        <p14:creationId xmlns:p14="http://schemas.microsoft.com/office/powerpoint/2010/main" val="2662124857"/>
+        <p14:creationId xmlns:p14="http://schemas.microsoft.com/office/powerpoint/2010/main" val="427991568"/>
       </p:ext>
     </p:extLst>
   </p:cSld>
@@ -4341,126 +5140,266 @@
           <a:chExt cx="0" cy="0"/>
         </a:xfrm>
       </p:grpSpPr>
-      <p:sp>
-        <p:nvSpPr>
-          <p:cNvPr id="2" name="Title 1">
-            <a:extLst>
-              <a:ext uri="{FF2B5EF4-FFF2-40B4-BE49-F238E27FC236}">
-                <a16:creationId xmlns:a16="http://schemas.microsoft.com/office/drawing/2014/main" id="{C1330DE8-F1C4-E74C-9FE1-1CBC33D27A23}"/>
-              </a:ext>
-            </a:extLst>
-          </p:cNvPr>
-          <p:cNvSpPr>
-            <a:spLocks noGrp="1"/>
-          </p:cNvSpPr>
-          <p:nvPr>
-            <p:ph type="title"/>
-          </p:nvPr>
-        </p:nvSpPr>
-        <p:spPr/>
-        <p:txBody>
-          <a:bodyPr/>
-          <a:lstStyle/>
-          <a:p>
-            <a:r>
-              <a:rPr lang="en-US" dirty="0"/>
-              <a:t>ETUD Pipeline</a:t>
-            </a:r>
-          </a:p>
-        </p:txBody>
-      </p:sp>
-      <p:sp>
-        <p:nvSpPr>
-          <p:cNvPr id="3" name="Content Placeholder 2">
-            <a:extLst>
-              <a:ext uri="{FF2B5EF4-FFF2-40B4-BE49-F238E27FC236}">
-                <a16:creationId xmlns:a16="http://schemas.microsoft.com/office/drawing/2014/main" id="{0B7E72BD-F5AF-9541-B269-41142E8630A8}"/>
-              </a:ext>
-            </a:extLst>
-          </p:cNvPr>
-          <p:cNvSpPr>
-            <a:spLocks noGrp="1"/>
-          </p:cNvSpPr>
+      <p:pic>
+        <p:nvPicPr>
+          <p:cNvPr id="5" name="Content Placeholder 4">
+            <a:extLst>
+              <a:ext uri="{FF2B5EF4-FFF2-40B4-BE49-F238E27FC236}">
+                <a16:creationId xmlns:a16="http://schemas.microsoft.com/office/drawing/2014/main" id="{EACE2A1D-D4A9-6E41-859D-D2FB1270B86C}"/>
+              </a:ext>
+            </a:extLst>
+          </p:cNvPr>
+          <p:cNvPicPr>
+            <a:picLocks noGrp="1" noChangeAspect="1"/>
+          </p:cNvPicPr>
           <p:nvPr>
             <p:ph idx="1"/>
           </p:nvPr>
-        </p:nvSpPr>
+        </p:nvPicPr>
+        <p:blipFill>
+          <a:blip r:embed="rId2"/>
+          <a:stretch>
+            <a:fillRect/>
+          </a:stretch>
+        </p:blipFill>
         <p:spPr>
           <a:xfrm>
-            <a:off x="595901" y="1825625"/>
-            <a:ext cx="10952251" cy="4351338"/>
+            <a:off x="2287711" y="1288680"/>
+            <a:ext cx="7114747" cy="2510387"/>
           </a:xfrm>
         </p:spPr>
-        <p:txBody>
-          <a:bodyPr>
-            <a:normAutofit fontScale="92500" lnSpcReduction="20000"/>
+      </p:pic>
+      <p:sp>
+        <p:nvSpPr>
+          <p:cNvPr id="4" name="Rectangle 3">
+            <a:extLst>
+              <a:ext uri="{FF2B5EF4-FFF2-40B4-BE49-F238E27FC236}">
+                <a16:creationId xmlns:a16="http://schemas.microsoft.com/office/drawing/2014/main" id="{B71E08B4-57F3-0945-9672-B1151C8C6A70}"/>
+              </a:ext>
+            </a:extLst>
+          </p:cNvPr>
+          <p:cNvSpPr/>
+          <p:nvPr/>
+        </p:nvSpPr>
+        <p:spPr>
+          <a:xfrm>
+            <a:off x="3767191" y="1288680"/>
+            <a:ext cx="2808270" cy="1402002"/>
+          </a:xfrm>
+          <a:prstGeom prst="rect">
+            <a:avLst/>
+          </a:prstGeom>
+          <a:noFill/>
+          <a:ln w="31750">
+            <a:solidFill>
+              <a:srgbClr val="C00000"/>
+            </a:solidFill>
+          </a:ln>
+        </p:spPr>
+        <p:style>
+          <a:lnRef idx="2">
+            <a:schemeClr val="accent1">
+              <a:shade val="50000"/>
+            </a:schemeClr>
+          </a:lnRef>
+          <a:fillRef idx="1">
+            <a:schemeClr val="accent1"/>
+          </a:fillRef>
+          <a:effectRef idx="0">
+            <a:schemeClr val="accent1"/>
+          </a:effectRef>
+          <a:fontRef idx="minor">
+            <a:schemeClr val="lt1"/>
+          </a:fontRef>
+        </p:style>
+        <p:txBody>
+          <a:bodyPr rtlCol="0" anchor="ctr"/>
+          <a:lstStyle/>
+          <a:p>
+            <a:pPr algn="ctr"/>
+            <a:endParaRPr lang="en-US"/>
+          </a:p>
+        </p:txBody>
+      </p:sp>
+      <p:sp>
+        <p:nvSpPr>
+          <p:cNvPr id="2" name="Title 1">
+            <a:extLst>
+              <a:ext uri="{FF2B5EF4-FFF2-40B4-BE49-F238E27FC236}">
+                <a16:creationId xmlns:a16="http://schemas.microsoft.com/office/drawing/2014/main" id="{C1330DE8-F1C4-E74C-9FE1-1CBC33D27A23}"/>
+              </a:ext>
+            </a:extLst>
+          </p:cNvPr>
+          <p:cNvSpPr>
+            <a:spLocks noGrp="1"/>
+          </p:cNvSpPr>
+          <p:nvPr>
+            <p:ph type="title"/>
+          </p:nvPr>
+        </p:nvSpPr>
+        <p:spPr/>
+        <p:txBody>
+          <a:bodyPr/>
+          <a:lstStyle/>
+          <a:p>
+            <a:r>
+              <a:rPr lang="en-US" dirty="0"/>
+              <a:t>ETUD Pipeline – Evaluation</a:t>
+            </a:r>
+          </a:p>
+        </p:txBody>
+      </p:sp>
+      <p:sp>
+        <p:nvSpPr>
+          <p:cNvPr id="3" name="Rectangle 2">
+            <a:extLst>
+              <a:ext uri="{FF2B5EF4-FFF2-40B4-BE49-F238E27FC236}">
+                <a16:creationId xmlns:a16="http://schemas.microsoft.com/office/drawing/2014/main" id="{0B3224D0-8D77-E747-9919-BC88D5F1B36F}"/>
+              </a:ext>
+            </a:extLst>
+          </p:cNvPr>
+          <p:cNvSpPr/>
+          <p:nvPr/>
+        </p:nvSpPr>
+        <p:spPr>
+          <a:xfrm>
+            <a:off x="1681537" y="3722660"/>
+            <a:ext cx="9075506" cy="3693319"/>
+          </a:xfrm>
+          <a:prstGeom prst="rect">
+            <a:avLst/>
+          </a:prstGeom>
+        </p:spPr>
+        <p:txBody>
+          <a:bodyPr wrap="square">
+            <a:spAutoFit/>
           </a:bodyPr>
           <a:lstStyle/>
           <a:p>
+            <a:pPr marL="285750" indent="-285750">
+              <a:buFont typeface="Arial" panose="020B0604020202020204" pitchFamily="34" charset="0"/>
+              <a:buChar char="•"/>
+            </a:pPr>
             <a:r>
               <a:rPr lang="en-US" dirty="0"/>
-              <a:t>Initialization</a:t>
-            </a:r>
-          </a:p>
-          <a:p>
-            <a:pPr lvl="1"/>
+              <a:t>We assume that the best ETUD should be able to best reproduce users' listening preference. In other words, we should find an ETUD that maximizes the similarity between songs' ranking list generated under this ETUD  and user real preference on songs.</a:t>
+            </a:r>
+          </a:p>
+          <a:p>
+            <a:pPr marL="285750" indent="-285750">
+              <a:buFont typeface="Arial" panose="020B0604020202020204" pitchFamily="34" charset="0"/>
+              <a:buChar char="•"/>
+            </a:pPr>
             <a:r>
               <a:rPr lang="en-US" dirty="0"/>
-              <a:t>We define a chromosome to represent a possible ETUD result. A chromosome is constructed by a set of genes ,where each gene refers to an edge-type respectively. The value stores in each gene represents the usefulness score of a particular edge-type.</a:t>
-            </a:r>
-          </a:p>
-          <a:p>
+              <a:t>Each chromosome’s fitness value can be calculated as:</a:t>
+            </a:r>
+          </a:p>
+          <a:p>
+            <a:pPr marL="285750" indent="-285750">
+              <a:buFont typeface="Arial" panose="020B0604020202020204" pitchFamily="34" charset="0"/>
+              <a:buChar char="•"/>
+            </a:pPr>
+            <a:endParaRPr lang="en-US" dirty="0"/>
+          </a:p>
+          <a:p>
+            <a:pPr marL="285750" indent="-285750">
+              <a:buFont typeface="Arial" panose="020B0604020202020204" pitchFamily="34" charset="0"/>
+              <a:buChar char="•"/>
+            </a:pPr>
+            <a:endParaRPr lang="en-US" dirty="0"/>
+          </a:p>
+          <a:p>
+            <a:pPr marL="285750" indent="-285750">
+              <a:buFont typeface="Arial" panose="020B0604020202020204" pitchFamily="34" charset="0"/>
+              <a:buChar char="•"/>
+            </a:pPr>
+            <a:endParaRPr lang="en-US" dirty="0"/>
+          </a:p>
+          <a:p>
+            <a:pPr marL="285750" indent="-285750">
+              <a:buFont typeface="Arial" panose="020B0604020202020204" pitchFamily="34" charset="0"/>
+              <a:buChar char="•"/>
+            </a:pPr>
             <a:r>
               <a:rPr lang="en-US" dirty="0"/>
-              <a:t>Assessment and Selection</a:t>
-            </a:r>
-          </a:p>
-          <a:p>
-            <a:pPr lvl="1"/>
+              <a:t>Personalized PageRank algorithm is utilized to represent user listening preference p(</a:t>
+            </a:r>
+            <a:r>
+              <a:rPr lang="en-US" dirty="0" err="1"/>
+              <a:t>S|u;w</a:t>
+            </a:r>
             <a:r>
               <a:rPr lang="en-US" dirty="0"/>
-              <a:t>The best ETUD should be able to best reproduce users' listening preference. In other words, we should find an ETUD that maximizes the similarity between songs' ranking list generated under this ETUD  and user real preference on songs.</a:t>
-            </a:r>
-          </a:p>
-          <a:p>
-            <a:pPr lvl="1"/>
+              <a:t>), NDCG@10 is chosen as similarity function.  g(</a:t>
+            </a:r>
+            <a:r>
+              <a:rPr lang="en-US" dirty="0" err="1"/>
+              <a:t>S|u</a:t>
+            </a:r>
             <a:r>
               <a:rPr lang="en-US" dirty="0"/>
-              <a:t>Personalized PageRank algorithm is utilized to represent user listening preference.</a:t>
-            </a:r>
-          </a:p>
-          <a:p>
+              <a:t>) is the actual user listening preference. we calculate the similarity scores among all users and normalize it via a </a:t>
+            </a:r>
+            <a:r>
+              <a:rPr lang="en-US" dirty="0" err="1"/>
+              <a:t>Softmax</a:t>
+            </a:r>
             <a:r>
               <a:rPr lang="en-US" dirty="0"/>
-              <a:t>Transformation</a:t>
-            </a:r>
-          </a:p>
-          <a:p>
-            <a:pPr lvl="1"/>
-            <a:r>
-              <a:rPr lang="en-US" dirty="0"/>
-              <a:t>Cross-over: generate new ETUD in chromosome pairs.</a:t>
-            </a:r>
-          </a:p>
-          <a:p>
-            <a:pPr lvl="1"/>
-            <a:r>
-              <a:rPr lang="en-US" dirty="0"/>
-              <a:t>Mutation: generate new ETUD within a chromosome. </a:t>
-            </a:r>
-          </a:p>
-          <a:p>
-            <a:r>
-              <a:rPr lang="en-US" dirty="0"/>
-              <a:t>Finalization</a:t>
-            </a:r>
-          </a:p>
-        </p:txBody>
-      </p:sp>
+              <a:t> function on all chromosomes.</a:t>
+            </a:r>
+          </a:p>
+          <a:p>
+            <a:pPr marL="285750" indent="-285750">
+              <a:buFont typeface="Arial" panose="020B0604020202020204" pitchFamily="34" charset="0"/>
+              <a:buChar char="•"/>
+            </a:pPr>
+            <a:endParaRPr lang="en-US" dirty="0"/>
+          </a:p>
+          <a:p>
+            <a:pPr marL="285750" indent="-285750">
+              <a:buFont typeface="Arial" panose="020B0604020202020204" pitchFamily="34" charset="0"/>
+              <a:buChar char="•"/>
+            </a:pPr>
+            <a:endParaRPr lang="en-US" dirty="0"/>
+          </a:p>
+        </p:txBody>
+      </p:sp>
+      <p:pic>
+        <p:nvPicPr>
+          <p:cNvPr id="6" name="Picture 5">
+            <a:extLst>
+              <a:ext uri="{FF2B5EF4-FFF2-40B4-BE49-F238E27FC236}">
+                <a16:creationId xmlns:a16="http://schemas.microsoft.com/office/drawing/2014/main" id="{8B549861-C02E-4D40-A601-E6B415B2948E}"/>
+              </a:ext>
+            </a:extLst>
+          </p:cNvPr>
+          <p:cNvPicPr>
+            <a:picLocks noChangeAspect="1"/>
+          </p:cNvPicPr>
+          <p:nvPr/>
+        </p:nvPicPr>
+        <p:blipFill>
+          <a:blip r:embed="rId3"/>
+          <a:stretch>
+            <a:fillRect/>
+          </a:stretch>
+        </p:blipFill>
+        <p:spPr>
+          <a:xfrm>
+            <a:off x="3274530" y="4918689"/>
+            <a:ext cx="5499100" cy="850900"/>
+          </a:xfrm>
+          <a:prstGeom prst="rect">
+            <a:avLst/>
+          </a:prstGeom>
+        </p:spPr>
+      </p:pic>
     </p:spTree>
     <p:extLst>
       <p:ext uri="{BB962C8B-B14F-4D97-AF65-F5344CB8AC3E}">
-        <p14:creationId xmlns:p14="http://schemas.microsoft.com/office/powerpoint/2010/main" val="723774734"/>
+        <p14:creationId xmlns:p14="http://schemas.microsoft.com/office/powerpoint/2010/main" val="2668051465"/>
       </p:ext>
     </p:extLst>
   </p:cSld>
@@ -4487,40 +5426,12 @@
           <a:chExt cx="0" cy="0"/>
         </a:xfrm>
       </p:grpSpPr>
-      <p:sp>
-        <p:nvSpPr>
-          <p:cNvPr id="2" name="Title 1">
-            <a:extLst>
-              <a:ext uri="{FF2B5EF4-FFF2-40B4-BE49-F238E27FC236}">
-                <a16:creationId xmlns:a16="http://schemas.microsoft.com/office/drawing/2014/main" id="{C1330DE8-F1C4-E74C-9FE1-1CBC33D27A23}"/>
-              </a:ext>
-            </a:extLst>
-          </p:cNvPr>
-          <p:cNvSpPr>
-            <a:spLocks noGrp="1"/>
-          </p:cNvSpPr>
-          <p:nvPr>
-            <p:ph type="title"/>
-          </p:nvPr>
-        </p:nvSpPr>
-        <p:spPr/>
-        <p:txBody>
-          <a:bodyPr/>
-          <a:lstStyle/>
-          <a:p>
-            <a:r>
-              <a:rPr lang="en-US" dirty="0"/>
-              <a:t>Dataset</a:t>
-            </a:r>
-          </a:p>
-        </p:txBody>
-      </p:sp>
       <p:pic>
         <p:nvPicPr>
           <p:cNvPr id="5" name="Content Placeholder 4">
             <a:extLst>
               <a:ext uri="{FF2B5EF4-FFF2-40B4-BE49-F238E27FC236}">
-                <a16:creationId xmlns:a16="http://schemas.microsoft.com/office/drawing/2014/main" id="{3B3CE6FA-5F39-7847-8735-B1105A1E4CA1}"/>
+                <a16:creationId xmlns:a16="http://schemas.microsoft.com/office/drawing/2014/main" id="{EACE2A1D-D4A9-6E41-859D-D2FB1270B86C}"/>
               </a:ext>
             </a:extLst>
           </p:cNvPr>
@@ -4539,45 +5450,133 @@
         </p:blipFill>
         <p:spPr>
           <a:xfrm>
-            <a:off x="2381250" y="1690688"/>
-            <a:ext cx="7429500" cy="1435100"/>
+            <a:off x="2020583" y="1888845"/>
+            <a:ext cx="7114747" cy="2510387"/>
           </a:xfrm>
         </p:spPr>
       </p:pic>
-      <p:pic>
-        <p:nvPicPr>
-          <p:cNvPr id="7" name="Picture 6">
-            <a:extLst>
-              <a:ext uri="{FF2B5EF4-FFF2-40B4-BE49-F238E27FC236}">
-                <a16:creationId xmlns:a16="http://schemas.microsoft.com/office/drawing/2014/main" id="{769FB200-D105-744B-B628-9F4727F7D21E}"/>
-              </a:ext>
-            </a:extLst>
-          </p:cNvPr>
-          <p:cNvPicPr>
-            <a:picLocks noChangeAspect="1"/>
-          </p:cNvPicPr>
+      <p:sp>
+        <p:nvSpPr>
+          <p:cNvPr id="4" name="Rectangle 3">
+            <a:extLst>
+              <a:ext uri="{FF2B5EF4-FFF2-40B4-BE49-F238E27FC236}">
+                <a16:creationId xmlns:a16="http://schemas.microsoft.com/office/drawing/2014/main" id="{B71E08B4-57F3-0945-9672-B1151C8C6A70}"/>
+              </a:ext>
+            </a:extLst>
+          </p:cNvPr>
+          <p:cNvSpPr/>
           <p:nvPr/>
-        </p:nvPicPr>
-        <p:blipFill>
-          <a:blip r:embed="rId3"/>
-          <a:stretch>
-            <a:fillRect/>
-          </a:stretch>
-        </p:blipFill>
+        </p:nvSpPr>
         <p:spPr>
           <a:xfrm>
-            <a:off x="2095357" y="3355975"/>
-            <a:ext cx="8432800" cy="3136900"/>
+            <a:off x="3500063" y="1888845"/>
+            <a:ext cx="2808270" cy="1402002"/>
+          </a:xfrm>
+          <a:prstGeom prst="rect">
+            <a:avLst/>
+          </a:prstGeom>
+          <a:noFill/>
+          <a:ln w="31750">
+            <a:solidFill>
+              <a:srgbClr val="C00000"/>
+            </a:solidFill>
+          </a:ln>
+        </p:spPr>
+        <p:style>
+          <a:lnRef idx="2">
+            <a:schemeClr val="accent1">
+              <a:shade val="50000"/>
+            </a:schemeClr>
+          </a:lnRef>
+          <a:fillRef idx="1">
+            <a:schemeClr val="accent1"/>
+          </a:fillRef>
+          <a:effectRef idx="0">
+            <a:schemeClr val="accent1"/>
+          </a:effectRef>
+          <a:fontRef idx="minor">
+            <a:schemeClr val="lt1"/>
+          </a:fontRef>
+        </p:style>
+        <p:txBody>
+          <a:bodyPr rtlCol="0" anchor="ctr"/>
+          <a:lstStyle/>
+          <a:p>
+            <a:pPr algn="ctr"/>
+            <a:endParaRPr lang="en-US"/>
+          </a:p>
+        </p:txBody>
+      </p:sp>
+      <p:sp>
+        <p:nvSpPr>
+          <p:cNvPr id="2" name="Title 1">
+            <a:extLst>
+              <a:ext uri="{FF2B5EF4-FFF2-40B4-BE49-F238E27FC236}">
+                <a16:creationId xmlns:a16="http://schemas.microsoft.com/office/drawing/2014/main" id="{C1330DE8-F1C4-E74C-9FE1-1CBC33D27A23}"/>
+              </a:ext>
+            </a:extLst>
+          </p:cNvPr>
+          <p:cNvSpPr>
+            <a:spLocks noGrp="1"/>
+          </p:cNvSpPr>
+          <p:nvPr>
+            <p:ph type="title"/>
+          </p:nvPr>
+        </p:nvSpPr>
+        <p:spPr/>
+        <p:txBody>
+          <a:bodyPr/>
+          <a:lstStyle/>
+          <a:p>
+            <a:r>
+              <a:rPr lang="en-US" dirty="0"/>
+              <a:t>ETUD Pipeline – Selection</a:t>
+            </a:r>
+          </a:p>
+        </p:txBody>
+      </p:sp>
+      <p:sp>
+        <p:nvSpPr>
+          <p:cNvPr id="3" name="Rectangle 2">
+            <a:extLst>
+              <a:ext uri="{FF2B5EF4-FFF2-40B4-BE49-F238E27FC236}">
+                <a16:creationId xmlns:a16="http://schemas.microsoft.com/office/drawing/2014/main" id="{0B3224D0-8D77-E747-9919-BC88D5F1B36F}"/>
+              </a:ext>
+            </a:extLst>
+          </p:cNvPr>
+          <p:cNvSpPr/>
+          <p:nvPr/>
+        </p:nvSpPr>
+        <p:spPr>
+          <a:xfrm>
+            <a:off x="1486328" y="4969155"/>
+            <a:ext cx="8327097" cy="1200329"/>
           </a:xfrm>
           <a:prstGeom prst="rect">
             <a:avLst/>
           </a:prstGeom>
         </p:spPr>
-      </p:pic>
+        <p:txBody>
+          <a:bodyPr wrap="square">
+            <a:spAutoFit/>
+          </a:bodyPr>
+          <a:lstStyle/>
+          <a:p>
+            <a:pPr marL="285750" indent="-285750">
+              <a:buFont typeface="Arial" panose="020B0604020202020204" pitchFamily="34" charset="0"/>
+              <a:buChar char="•"/>
+            </a:pPr>
+            <a:r>
+              <a:rPr lang="en-US" dirty="0"/>
+              <a:t>In genetic approach, chromosomes with higher fitness score should have higher chance to be preserved for the next-round evolution. Hence, we use bootstrap sampling strategy (random sampling with replicates) to randomly sample P chromosomes based on their fitness scores.</a:t>
+            </a:r>
+          </a:p>
+        </p:txBody>
+      </p:sp>
     </p:spTree>
     <p:extLst>
       <p:ext uri="{BB962C8B-B14F-4D97-AF65-F5344CB8AC3E}">
-        <p14:creationId xmlns:p14="http://schemas.microsoft.com/office/powerpoint/2010/main" val="155975860"/>
+        <p14:creationId xmlns:p14="http://schemas.microsoft.com/office/powerpoint/2010/main" val="2951249541"/>
       </p:ext>
     </p:extLst>
   </p:cSld>
@@ -4604,96 +5603,21 @@
           <a:chExt cx="0" cy="0"/>
         </a:xfrm>
       </p:grpSpPr>
-      <p:sp>
-        <p:nvSpPr>
-          <p:cNvPr id="2" name="Title 1">
-            <a:extLst>
-              <a:ext uri="{FF2B5EF4-FFF2-40B4-BE49-F238E27FC236}">
-                <a16:creationId xmlns:a16="http://schemas.microsoft.com/office/drawing/2014/main" id="{C1330DE8-F1C4-E74C-9FE1-1CBC33D27A23}"/>
-              </a:ext>
-            </a:extLst>
-          </p:cNvPr>
-          <p:cNvSpPr>
-            <a:spLocks noGrp="1"/>
-          </p:cNvSpPr>
-          <p:nvPr>
-            <p:ph type="title"/>
-          </p:nvPr>
-        </p:nvSpPr>
-        <p:spPr/>
-        <p:txBody>
-          <a:bodyPr/>
-          <a:lstStyle/>
-          <a:p>
-            <a:r>
-              <a:rPr lang="en-US" dirty="0"/>
-              <a:t>Task 1: Searching Cost with Between-community Jumping</a:t>
-            </a:r>
-          </a:p>
-        </p:txBody>
-      </p:sp>
-      <p:sp>
-        <p:nvSpPr>
-          <p:cNvPr id="3" name="Content Placeholder 2">
-            <a:extLst>
-              <a:ext uri="{FF2B5EF4-FFF2-40B4-BE49-F238E27FC236}">
-                <a16:creationId xmlns:a16="http://schemas.microsoft.com/office/drawing/2014/main" id="{0B7E72BD-F5AF-9541-B269-41142E8630A8}"/>
-              </a:ext>
-            </a:extLst>
-          </p:cNvPr>
-          <p:cNvSpPr>
-            <a:spLocks noGrp="1"/>
-          </p:cNvSpPr>
-          <p:nvPr>
-            <p:ph idx="1"/>
-          </p:nvPr>
-        </p:nvSpPr>
-        <p:spPr>
-          <a:xfrm>
-            <a:off x="838200" y="1825625"/>
-            <a:ext cx="10515600" cy="3588856"/>
-          </a:xfrm>
-        </p:spPr>
-        <p:txBody>
-          <a:bodyPr>
-            <a:normAutofit lnSpcReduction="10000"/>
-          </a:bodyPr>
-          <a:lstStyle/>
-          <a:p>
-            <a:r>
-              <a:rPr lang="en-US" dirty="0"/>
-              <a:t>The first task is to examine whether applying ETUD on heterogeneous networks can reduce the searching cost of retrieving all users' listened songs. </a:t>
-            </a:r>
-          </a:p>
-          <a:p>
-            <a:r>
-              <a:rPr lang="en-US" dirty="0"/>
-              <a:t>In our music network, each user u will belong to a community after a community detection method is leveraged. When user u looks for songs to listen, there is a searching cost for the user to retrieve all his/her favored songs. We simulate user searching </a:t>
-            </a:r>
-            <a:r>
-              <a:rPr lang="en-US" dirty="0" err="1"/>
-              <a:t>behaviours</a:t>
-            </a:r>
-            <a:r>
-              <a:rPr lang="en-US" dirty="0"/>
-              <a:t> to see how ETUD can help to reduce searching cost when added to existing community detection methods.</a:t>
-            </a:r>
-          </a:p>
-        </p:txBody>
-      </p:sp>
       <p:pic>
         <p:nvPicPr>
-          <p:cNvPr id="5" name="Picture 4">
-            <a:extLst>
-              <a:ext uri="{FF2B5EF4-FFF2-40B4-BE49-F238E27FC236}">
-                <a16:creationId xmlns:a16="http://schemas.microsoft.com/office/drawing/2014/main" id="{80CBB173-B37D-D741-83FB-83076F22B449}"/>
+          <p:cNvPr id="5" name="Content Placeholder 4">
+            <a:extLst>
+              <a:ext uri="{FF2B5EF4-FFF2-40B4-BE49-F238E27FC236}">
+                <a16:creationId xmlns:a16="http://schemas.microsoft.com/office/drawing/2014/main" id="{EACE2A1D-D4A9-6E41-859D-D2FB1270B86C}"/>
               </a:ext>
             </a:extLst>
           </p:cNvPr>
           <p:cNvPicPr>
-            <a:picLocks noChangeAspect="1"/>
+            <a:picLocks noGrp="1" noChangeAspect="1"/>
           </p:cNvPicPr>
-          <p:nvPr/>
+          <p:nvPr>
+            <p:ph idx="1"/>
+          </p:nvPr>
         </p:nvPicPr>
         <p:blipFill>
           <a:blip r:embed="rId2"/>
@@ -4703,18 +5627,143 @@
         </p:blipFill>
         <p:spPr>
           <a:xfrm>
-            <a:off x="2125966" y="5337175"/>
-            <a:ext cx="8166100" cy="1155700"/>
+            <a:off x="2020583" y="1888845"/>
+            <a:ext cx="7114747" cy="2510387"/>
+          </a:xfrm>
+        </p:spPr>
+      </p:pic>
+      <p:sp>
+        <p:nvSpPr>
+          <p:cNvPr id="4" name="Rectangle 3">
+            <a:extLst>
+              <a:ext uri="{FF2B5EF4-FFF2-40B4-BE49-F238E27FC236}">
+                <a16:creationId xmlns:a16="http://schemas.microsoft.com/office/drawing/2014/main" id="{B71E08B4-57F3-0945-9672-B1151C8C6A70}"/>
+              </a:ext>
+            </a:extLst>
+          </p:cNvPr>
+          <p:cNvSpPr/>
+          <p:nvPr/>
+        </p:nvSpPr>
+        <p:spPr>
+          <a:xfrm>
+            <a:off x="6171344" y="1891962"/>
+            <a:ext cx="2808270" cy="1402002"/>
+          </a:xfrm>
+          <a:prstGeom prst="rect">
+            <a:avLst/>
+          </a:prstGeom>
+          <a:noFill/>
+          <a:ln w="31750">
+            <a:solidFill>
+              <a:srgbClr val="C00000"/>
+            </a:solidFill>
+          </a:ln>
+        </p:spPr>
+        <p:style>
+          <a:lnRef idx="2">
+            <a:schemeClr val="accent1">
+              <a:shade val="50000"/>
+            </a:schemeClr>
+          </a:lnRef>
+          <a:fillRef idx="1">
+            <a:schemeClr val="accent1"/>
+          </a:fillRef>
+          <a:effectRef idx="0">
+            <a:schemeClr val="accent1"/>
+          </a:effectRef>
+          <a:fontRef idx="minor">
+            <a:schemeClr val="lt1"/>
+          </a:fontRef>
+        </p:style>
+        <p:txBody>
+          <a:bodyPr rtlCol="0" anchor="ctr"/>
+          <a:lstStyle/>
+          <a:p>
+            <a:pPr algn="ctr"/>
+            <a:endParaRPr lang="en-US"/>
+          </a:p>
+        </p:txBody>
+      </p:sp>
+      <p:sp>
+        <p:nvSpPr>
+          <p:cNvPr id="2" name="Title 1">
+            <a:extLst>
+              <a:ext uri="{FF2B5EF4-FFF2-40B4-BE49-F238E27FC236}">
+                <a16:creationId xmlns:a16="http://schemas.microsoft.com/office/drawing/2014/main" id="{C1330DE8-F1C4-E74C-9FE1-1CBC33D27A23}"/>
+              </a:ext>
+            </a:extLst>
+          </p:cNvPr>
+          <p:cNvSpPr>
+            <a:spLocks noGrp="1"/>
+          </p:cNvSpPr>
+          <p:nvPr>
+            <p:ph type="title"/>
+          </p:nvPr>
+        </p:nvSpPr>
+        <p:spPr/>
+        <p:txBody>
+          <a:bodyPr/>
+          <a:lstStyle/>
+          <a:p>
+            <a:r>
+              <a:rPr lang="en-US" dirty="0"/>
+              <a:t>ETUD Pipeline – Crossover</a:t>
+            </a:r>
+          </a:p>
+        </p:txBody>
+      </p:sp>
+      <p:sp>
+        <p:nvSpPr>
+          <p:cNvPr id="3" name="Rectangle 2">
+            <a:extLst>
+              <a:ext uri="{FF2B5EF4-FFF2-40B4-BE49-F238E27FC236}">
+                <a16:creationId xmlns:a16="http://schemas.microsoft.com/office/drawing/2014/main" id="{0B3224D0-8D77-E747-9919-BC88D5F1B36F}"/>
+              </a:ext>
+            </a:extLst>
+          </p:cNvPr>
+          <p:cNvSpPr/>
+          <p:nvPr/>
+        </p:nvSpPr>
+        <p:spPr>
+          <a:xfrm>
+            <a:off x="1414407" y="4461550"/>
+            <a:ext cx="8327097" cy="2031325"/>
           </a:xfrm>
           <a:prstGeom prst="rect">
             <a:avLst/>
           </a:prstGeom>
         </p:spPr>
-      </p:pic>
+        <p:txBody>
+          <a:bodyPr wrap="square">
+            <a:spAutoFit/>
+          </a:bodyPr>
+          <a:lstStyle/>
+          <a:p>
+            <a:pPr marL="285750" indent="-285750">
+              <a:buFont typeface="Arial" panose="020B0604020202020204" pitchFamily="34" charset="0"/>
+              <a:buChar char="•"/>
+            </a:pPr>
+            <a:r>
+              <a:rPr lang="en-US" dirty="0"/>
+              <a:t>The initialized &amp; selected chromosomes can not fully cover the whole possible ETUD results. Hence, there is a need to search the whole ETUD result space and find out the best one. </a:t>
+            </a:r>
+          </a:p>
+          <a:p>
+            <a:pPr marL="285750" indent="-285750">
+              <a:buFont typeface="Arial" panose="020B0604020202020204" pitchFamily="34" charset="0"/>
+              <a:buChar char="•"/>
+            </a:pPr>
+            <a:r>
+              <a:rPr lang="en-US" dirty="0"/>
+              <a:t>In Cross-over step, all selected chromosomes are grouped into pairs first, and the Cross-over transformation will be applied within pairs. Given two chromosomes in the same pair, which are denoted as w1 and w2. In this step, w1 and w2 exchange values stored in partial of their genes to create two offspring chromosomes.</a:t>
+            </a:r>
+          </a:p>
+        </p:txBody>
+      </p:sp>
     </p:spTree>
     <p:extLst>
       <p:ext uri="{BB962C8B-B14F-4D97-AF65-F5344CB8AC3E}">
-        <p14:creationId xmlns:p14="http://schemas.microsoft.com/office/powerpoint/2010/main" val="329818821"/>
+        <p14:creationId xmlns:p14="http://schemas.microsoft.com/office/powerpoint/2010/main" val="1971096243"/>
       </p:ext>
     </p:extLst>
   </p:cSld>
@@ -4741,40 +5790,12 @@
           <a:chExt cx="0" cy="0"/>
         </a:xfrm>
       </p:grpSpPr>
-      <p:sp>
-        <p:nvSpPr>
-          <p:cNvPr id="2" name="Title 1">
-            <a:extLst>
-              <a:ext uri="{FF2B5EF4-FFF2-40B4-BE49-F238E27FC236}">
-                <a16:creationId xmlns:a16="http://schemas.microsoft.com/office/drawing/2014/main" id="{C1330DE8-F1C4-E74C-9FE1-1CBC33D27A23}"/>
-              </a:ext>
-            </a:extLst>
-          </p:cNvPr>
-          <p:cNvSpPr>
-            <a:spLocks noGrp="1"/>
-          </p:cNvSpPr>
-          <p:nvPr>
-            <p:ph type="title"/>
-          </p:nvPr>
-        </p:nvSpPr>
-        <p:spPr/>
-        <p:txBody>
-          <a:bodyPr/>
-          <a:lstStyle/>
-          <a:p>
-            <a:r>
-              <a:rPr lang="en-US" dirty="0"/>
-              <a:t>Task 1: Searching Cost with Between-community Jumping</a:t>
-            </a:r>
-          </a:p>
-        </p:txBody>
-      </p:sp>
       <p:pic>
         <p:nvPicPr>
           <p:cNvPr id="5" name="Content Placeholder 4">
             <a:extLst>
               <a:ext uri="{FF2B5EF4-FFF2-40B4-BE49-F238E27FC236}">
-                <a16:creationId xmlns:a16="http://schemas.microsoft.com/office/drawing/2014/main" id="{48754045-1C6A-C64F-B86F-D47D7F8FE9B2}"/>
+                <a16:creationId xmlns:a16="http://schemas.microsoft.com/office/drawing/2014/main" id="{EACE2A1D-D4A9-6E41-859D-D2FB1270B86C}"/>
               </a:ext>
             </a:extLst>
           </p:cNvPr>
@@ -4793,15 +5814,157 @@
         </p:blipFill>
         <p:spPr>
           <a:xfrm>
-            <a:off x="838200" y="2008141"/>
-            <a:ext cx="10515600" cy="3986305"/>
+            <a:off x="2020583" y="1888845"/>
+            <a:ext cx="7114747" cy="2510387"/>
           </a:xfrm>
         </p:spPr>
       </p:pic>
+      <p:sp>
+        <p:nvSpPr>
+          <p:cNvPr id="4" name="Rectangle 3">
+            <a:extLst>
+              <a:ext uri="{FF2B5EF4-FFF2-40B4-BE49-F238E27FC236}">
+                <a16:creationId xmlns:a16="http://schemas.microsoft.com/office/drawing/2014/main" id="{B71E08B4-57F3-0945-9672-B1151C8C6A70}"/>
+              </a:ext>
+            </a:extLst>
+          </p:cNvPr>
+          <p:cNvSpPr/>
+          <p:nvPr/>
+        </p:nvSpPr>
+        <p:spPr>
+          <a:xfrm>
+            <a:off x="4784333" y="3226084"/>
+            <a:ext cx="2797995" cy="1319955"/>
+          </a:xfrm>
+          <a:prstGeom prst="rect">
+            <a:avLst/>
+          </a:prstGeom>
+          <a:noFill/>
+          <a:ln w="31750">
+            <a:solidFill>
+              <a:srgbClr val="C00000"/>
+            </a:solidFill>
+          </a:ln>
+        </p:spPr>
+        <p:style>
+          <a:lnRef idx="2">
+            <a:schemeClr val="accent1">
+              <a:shade val="50000"/>
+            </a:schemeClr>
+          </a:lnRef>
+          <a:fillRef idx="1">
+            <a:schemeClr val="accent1"/>
+          </a:fillRef>
+          <a:effectRef idx="0">
+            <a:schemeClr val="accent1"/>
+          </a:effectRef>
+          <a:fontRef idx="minor">
+            <a:schemeClr val="lt1"/>
+          </a:fontRef>
+        </p:style>
+        <p:txBody>
+          <a:bodyPr rtlCol="0" anchor="ctr"/>
+          <a:lstStyle/>
+          <a:p>
+            <a:pPr algn="ctr"/>
+            <a:endParaRPr lang="en-US"/>
+          </a:p>
+        </p:txBody>
+      </p:sp>
+      <p:sp>
+        <p:nvSpPr>
+          <p:cNvPr id="2" name="Title 1">
+            <a:extLst>
+              <a:ext uri="{FF2B5EF4-FFF2-40B4-BE49-F238E27FC236}">
+                <a16:creationId xmlns:a16="http://schemas.microsoft.com/office/drawing/2014/main" id="{C1330DE8-F1C4-E74C-9FE1-1CBC33D27A23}"/>
+              </a:ext>
+            </a:extLst>
+          </p:cNvPr>
+          <p:cNvSpPr>
+            <a:spLocks noGrp="1"/>
+          </p:cNvSpPr>
+          <p:nvPr>
+            <p:ph type="title"/>
+          </p:nvPr>
+        </p:nvSpPr>
+        <p:spPr/>
+        <p:txBody>
+          <a:bodyPr/>
+          <a:lstStyle/>
+          <a:p>
+            <a:r>
+              <a:rPr lang="en-US" dirty="0"/>
+              <a:t>ETUD Pipeline – Mutation</a:t>
+            </a:r>
+          </a:p>
+        </p:txBody>
+      </p:sp>
+      <p:sp>
+        <p:nvSpPr>
+          <p:cNvPr id="3" name="Rectangle 2">
+            <a:extLst>
+              <a:ext uri="{FF2B5EF4-FFF2-40B4-BE49-F238E27FC236}">
+                <a16:creationId xmlns:a16="http://schemas.microsoft.com/office/drawing/2014/main" id="{0B3224D0-8D77-E747-9919-BC88D5F1B36F}"/>
+              </a:ext>
+            </a:extLst>
+          </p:cNvPr>
+          <p:cNvSpPr/>
+          <p:nvPr/>
+        </p:nvSpPr>
+        <p:spPr>
+          <a:xfrm>
+            <a:off x="1414407" y="4461550"/>
+            <a:ext cx="8327097" cy="1200329"/>
+          </a:xfrm>
+          <a:prstGeom prst="rect">
+            <a:avLst/>
+          </a:prstGeom>
+        </p:spPr>
+        <p:txBody>
+          <a:bodyPr wrap="square">
+            <a:spAutoFit/>
+          </a:bodyPr>
+          <a:lstStyle/>
+          <a:p>
+            <a:pPr marL="285750" indent="-285750">
+              <a:buFont typeface="Arial" panose="020B0604020202020204" pitchFamily="34" charset="0"/>
+              <a:buChar char="•"/>
+            </a:pPr>
+            <a:r>
+              <a:rPr lang="en-US" dirty="0"/>
+              <a:t>Mutation step allows a chromosome to generate a new offspring chromosome within itself. For a chromosome, instead of exchanging values of genes with another chromosome, it exchanges its genes’ value with a random variable X randomly drew from </a:t>
+            </a:r>
+            <a:r>
+              <a:rPr lang="en-US" altLang="zh-CN" dirty="0"/>
+              <a:t>uniform</a:t>
+            </a:r>
+            <a:r>
+              <a:rPr lang="en-US" dirty="0"/>
+              <a:t> distribution X </a:t>
+            </a:r>
+            <a:r>
+              <a:rPr lang="en-US"/>
+              <a:t>∼ </a:t>
+            </a:r>
+            <a:r>
+              <a:rPr lang="en-US" altLang="zh-CN"/>
+              <a:t>Uniform</a:t>
+            </a:r>
+            <a:r>
+              <a:rPr lang="en-US"/>
+              <a:t> </a:t>
+            </a:r>
+            <a:r>
+              <a:rPr lang="en-US" dirty="0"/>
+              <a:t>(0, 1).</a:t>
+            </a:r>
+          </a:p>
+        </p:txBody>
+      </p:sp>
     </p:spTree>
     <p:extLst>
       <p:ext uri="{BB962C8B-B14F-4D97-AF65-F5344CB8AC3E}">
-        <p14:creationId xmlns:p14="http://schemas.microsoft.com/office/powerpoint/2010/main" val="3449456323"/>
+        <p14:creationId xmlns:p14="http://schemas.microsoft.com/office/powerpoint/2010/main" val="275742328"/>
       </p:ext>
     </p:extLst>
   </p:cSld>
@@ -4851,7 +6014,7 @@
           <a:p>
             <a:r>
               <a:rPr lang="en-US" dirty="0"/>
-              <a:t>Task 2: Searching Accuracy within Community</a:t>
+              <a:t>ETUD Pipeline - Finalization</a:t>
             </a:r>
           </a:p>
         </p:txBody>
@@ -4874,57 +6037,27 @@
         </p:nvSpPr>
         <p:spPr>
           <a:xfrm>
-            <a:off x="838200" y="1825625"/>
-            <a:ext cx="10515600" cy="1790878"/>
+            <a:off x="595901" y="1825625"/>
+            <a:ext cx="10952251" cy="4351338"/>
           </a:xfrm>
         </p:spPr>
         <p:txBody>
           <a:bodyPr>
-            <a:normAutofit fontScale="92500"/>
+            <a:normAutofit/>
           </a:bodyPr>
           <a:lstStyle/>
           <a:p>
             <a:r>
               <a:rPr lang="en-US" dirty="0"/>
-              <a:t> We are also willing to see whether it also benefits music recommendation accuracy within communities. For each testing user, we select all songs in the same community as the user, and rank the songs based on their PageRank scores calculated during the training process.</a:t>
-            </a:r>
-          </a:p>
-        </p:txBody>
-      </p:sp>
-      <p:pic>
-        <p:nvPicPr>
-          <p:cNvPr id="7" name="Picture 6">
-            <a:extLst>
-              <a:ext uri="{FF2B5EF4-FFF2-40B4-BE49-F238E27FC236}">
-                <a16:creationId xmlns:a16="http://schemas.microsoft.com/office/drawing/2014/main" id="{64980699-98ED-CD4C-976A-DC1EF0ECD7BC}"/>
-              </a:ext>
-            </a:extLst>
-          </p:cNvPr>
-          <p:cNvPicPr>
-            <a:picLocks noChangeAspect="1"/>
-          </p:cNvPicPr>
-          <p:nvPr/>
-        </p:nvPicPr>
-        <p:blipFill>
-          <a:blip r:embed="rId2"/>
-          <a:stretch>
-            <a:fillRect/>
-          </a:stretch>
-        </p:blipFill>
-        <p:spPr>
-          <a:xfrm>
-            <a:off x="2331521" y="3388053"/>
-            <a:ext cx="6946043" cy="3104822"/>
-          </a:xfrm>
-          <a:prstGeom prst="rect">
-            <a:avLst/>
-          </a:prstGeom>
-        </p:spPr>
-      </p:pic>
+              <a:t>The whole evolution process will keep running for generations until the best chromosome no longer changes for N generations. And the chromosome with largest fitness value in the last generation will be the returned ETUD.</a:t>
+            </a:r>
+          </a:p>
+        </p:txBody>
+      </p:sp>
     </p:spTree>
     <p:extLst>
       <p:ext uri="{BB962C8B-B14F-4D97-AF65-F5344CB8AC3E}">
-        <p14:creationId xmlns:p14="http://schemas.microsoft.com/office/powerpoint/2010/main" val="1292675514"/>
+        <p14:creationId xmlns:p14="http://schemas.microsoft.com/office/powerpoint/2010/main" val="723774734"/>
       </p:ext>
     </p:extLst>
   </p:cSld>
